--- a/System Design/03-Cache-Redis/03-Cache-Redis.pptx
+++ b/System Design/03-Cache-Redis/03-Cache-Redis.pptx
@@ -361,7 +361,7 @@
           <a:effectLst/>
           <a:extLst>
             <a:ext uri="{91240B29-F687-4f45-9708-019B960494DF}">
-              <a14:hiddenLine xmlns="" xmlns:a14="http://schemas.microsoft.com/office/drawing/2010/main" w="9525">
+              <a14:hiddenLine xmlns:a14="http://schemas.microsoft.com/office/drawing/2010/main" xmlns="" w="9525">
                 <a:solidFill>
                   <a:srgbClr val="000000"/>
                 </a:solidFill>
@@ -554,7 +554,7 @@
             <a:fld id="{08B9EBBA-996F-894A-B54A-D6246ED52CEA}" type="datetimeFigureOut">
               <a:rPr lang="en-US"/>
               <a:pPr/>
-              <a:t>8/23/23</a:t>
+              <a:t>8/27/23</a:t>
             </a:fld>
             <a:endParaRPr lang="en-US"/>
           </a:p>
@@ -873,7 +873,7 @@
             <a:fld id="{18C79C5D-2A6F-F04D-97DA-BEF2467B64E4}" type="datetimeFigureOut">
               <a:rPr lang="en-US"/>
               <a:pPr/>
-              <a:t>8/23/23</a:t>
+              <a:t>8/27/23</a:t>
             </a:fld>
             <a:endParaRPr lang="en-US"/>
           </a:p>
@@ -1363,7 +1363,7 @@
             <a:fld id="{8DFA1846-DA80-1C48-A609-854EA85C59AD}" type="datetimeFigureOut">
               <a:rPr lang="en-US"/>
               <a:pPr/>
-              <a:t>8/23/23</a:t>
+              <a:t>8/27/23</a:t>
             </a:fld>
             <a:endParaRPr lang="en-US"/>
           </a:p>
@@ -1734,7 +1734,7 @@
             <a:fld id="{FBF54567-0DE4-3F47-BF90-CB84690072F9}" type="datetimeFigureOut">
               <a:rPr lang="en-US"/>
               <a:pPr/>
-              <a:t>8/23/23</a:t>
+              <a:t>8/27/23</a:t>
             </a:fld>
             <a:endParaRPr lang="en-US"/>
           </a:p>
@@ -1890,7 +1890,7 @@
           <a:ln/>
           <a:extLst>
             <a:ext uri="{91240B29-F687-4f45-9708-019B960494DF}">
-              <a14:hiddenLine xmlns="" xmlns:a14="http://schemas.microsoft.com/office/drawing/2010/main" w="9525">
+              <a14:hiddenLine xmlns:a14="http://schemas.microsoft.com/office/drawing/2010/main" xmlns="" w="9525">
                 <a:solidFill>
                   <a:srgbClr val="000000"/>
                 </a:solidFill>
@@ -2009,7 +2009,7 @@
             <a:fld id="{C6C52C72-DE31-F449-A4ED-4C594FD91407}" type="datetimeFigureOut">
               <a:rPr lang="en-US"/>
               <a:pPr/>
-              <a:t>8/23/23</a:t>
+              <a:t>8/27/23</a:t>
             </a:fld>
             <a:endParaRPr lang="en-US"/>
           </a:p>
@@ -2167,7 +2167,7 @@
           <a:ln/>
           <a:extLst>
             <a:ext uri="{91240B29-F687-4f45-9708-019B960494DF}">
-              <a14:hiddenLine xmlns="" xmlns:a14="http://schemas.microsoft.com/office/drawing/2010/main" w="9525">
+              <a14:hiddenLine xmlns:a14="http://schemas.microsoft.com/office/drawing/2010/main" xmlns="" w="9525">
                 <a:solidFill>
                   <a:srgbClr val="000000"/>
                 </a:solidFill>
@@ -2296,7 +2296,7 @@
             <a:fld id="{ED62726E-379B-B349-9EED-81ED093FA806}" type="datetimeFigureOut">
               <a:rPr lang="en-US"/>
               <a:pPr/>
-              <a:t>8/23/23</a:t>
+              <a:t>8/27/23</a:t>
             </a:fld>
             <a:endParaRPr lang="en-US"/>
           </a:p>
@@ -2452,7 +2452,7 @@
           <a:ln/>
           <a:extLst>
             <a:ext uri="{91240B29-F687-4f45-9708-019B960494DF}">
-              <a14:hiddenLine xmlns="" xmlns:a14="http://schemas.microsoft.com/office/drawing/2010/main" w="9525">
+              <a14:hiddenLine xmlns:a14="http://schemas.microsoft.com/office/drawing/2010/main" xmlns="" w="9525">
                 <a:solidFill>
                   <a:srgbClr val="000000"/>
                 </a:solidFill>
@@ -2581,7 +2581,7 @@
             <a:fld id="{9B3A1323-8D79-1946-B0D7-40001CF92E9D}" type="datetimeFigureOut">
               <a:rPr lang="en-US"/>
               <a:pPr/>
-              <a:t>8/23/23</a:t>
+              <a:t>8/27/23</a:t>
             </a:fld>
             <a:endParaRPr lang="en-US"/>
           </a:p>
@@ -2926,7 +2926,7 @@
             <a:fld id="{8DFA1846-DA80-1C48-A609-854EA85C59AD}" type="datetimeFigureOut">
               <a:rPr lang="en-US"/>
               <a:pPr/>
-              <a:t>8/23/23</a:t>
+              <a:t>8/27/23</a:t>
             </a:fld>
             <a:endParaRPr lang="en-US"/>
           </a:p>
@@ -3082,7 +3082,7 @@
           <a:ln/>
           <a:extLst>
             <a:ext uri="{91240B29-F687-4f45-9708-019B960494DF}">
-              <a14:hiddenLine xmlns="" xmlns:a14="http://schemas.microsoft.com/office/drawing/2010/main" w="9525">
+              <a14:hiddenLine xmlns:a14="http://schemas.microsoft.com/office/drawing/2010/main" xmlns="" w="9525">
                 <a:solidFill>
                   <a:srgbClr val="000000"/>
                 </a:solidFill>
@@ -3267,7 +3267,7 @@
             <a:fld id="{57302355-E14B-8545-A8F8-0FE83CC9D524}" type="datetimeFigureOut">
               <a:rPr lang="en-US"/>
               <a:pPr/>
-              <a:t>8/23/23</a:t>
+              <a:t>8/27/23</a:t>
             </a:fld>
             <a:endParaRPr lang="en-US"/>
           </a:p>
@@ -3423,7 +3423,7 @@
           <a:ln/>
           <a:extLst>
             <a:ext uri="{91240B29-F687-4f45-9708-019B960494DF}">
-              <a14:hiddenLine xmlns="" xmlns:a14="http://schemas.microsoft.com/office/drawing/2010/main" w="9525">
+              <a14:hiddenLine xmlns:a14="http://schemas.microsoft.com/office/drawing/2010/main" xmlns="" w="9525">
                 <a:solidFill>
                   <a:srgbClr val="000000"/>
                 </a:solidFill>
@@ -3746,7 +3746,7 @@
             <a:fld id="{02640F58-564D-2B4F-AE67-E407BA4FCF45}" type="datetimeFigureOut">
               <a:rPr lang="en-US"/>
               <a:pPr/>
-              <a:t>8/23/23</a:t>
+              <a:t>8/27/23</a:t>
             </a:fld>
             <a:endParaRPr lang="en-US"/>
           </a:p>
@@ -3902,7 +3902,7 @@
           <a:ln/>
           <a:extLst>
             <a:ext uri="{91240B29-F687-4f45-9708-019B960494DF}">
-              <a14:hiddenLine xmlns="" xmlns:a14="http://schemas.microsoft.com/office/drawing/2010/main" w="9525">
+              <a14:hiddenLine xmlns:a14="http://schemas.microsoft.com/office/drawing/2010/main" xmlns="" w="9525">
                 <a:solidFill>
                   <a:srgbClr val="000000"/>
                 </a:solidFill>
@@ -3969,7 +3969,7 @@
             <a:fld id="{F13A34C8-038E-2045-AF43-DF7DBB8E0E9E}" type="datetimeFigureOut">
               <a:rPr lang="en-US"/>
               <a:pPr/>
-              <a:t>8/23/23</a:t>
+              <a:t>8/27/23</a:t>
             </a:fld>
             <a:endParaRPr lang="en-US"/>
           </a:p>
@@ -4066,7 +4066,7 @@
             <a:fld id="{8818C68F-D26B-8F47-958C-23B49CF8A634}" type="datetimeFigureOut">
               <a:rPr lang="en-US"/>
               <a:pPr/>
-              <a:t>8/23/23</a:t>
+              <a:t>8/27/23</a:t>
             </a:fld>
             <a:endParaRPr lang="en-US"/>
           </a:p>
@@ -4335,7 +4335,7 @@
           <a:ln/>
           <a:extLst>
             <a:ext uri="{91240B29-F687-4f45-9708-019B960494DF}">
-              <a14:hiddenLine xmlns="" xmlns:a14="http://schemas.microsoft.com/office/drawing/2010/main" w="9525">
+              <a14:hiddenLine xmlns:a14="http://schemas.microsoft.com/office/drawing/2010/main" xmlns="" w="9525">
                 <a:solidFill>
                   <a:srgbClr val="000000"/>
                 </a:solidFill>
@@ -4535,7 +4535,7 @@
             <a:fld id="{D0DF5E60-9974-AC48-9591-99C2BB44B7CF}" type="datetimeFigureOut">
               <a:rPr lang="en-US"/>
               <a:pPr/>
-              <a:t>8/23/23</a:t>
+              <a:t>8/27/23</a:t>
             </a:fld>
             <a:endParaRPr lang="en-US"/>
           </a:p>
@@ -4849,7 +4849,7 @@
             <a:fld id="{18C79C5D-2A6F-F04D-97DA-BEF2467B64E4}" type="datetimeFigureOut">
               <a:rPr lang="en-US"/>
               <a:pPr/>
-              <a:t>8/23/23</a:t>
+              <a:t>8/27/23</a:t>
             </a:fld>
             <a:endParaRPr lang="en-US"/>
           </a:p>
@@ -5121,7 +5121,7 @@
             <a:fld id="{09B482E8-6E0E-1B4F-B1FD-C69DB9E858D9}" type="datetimeFigureOut">
               <a:rPr lang="en-US"/>
               <a:pPr/>
-              <a:t>8/23/23</a:t>
+              <a:t>8/27/23</a:t>
             </a:fld>
             <a:endParaRPr lang="en-US"/>
           </a:p>
@@ -5993,117 +5993,71 @@
           </a:prstGeom>
         </p:spPr>
       </p:pic>
-      <p:grpSp>
-        <p:nvGrpSpPr>
-          <p:cNvPr id="9" name="Group 8">
+      <p:sp>
+        <p:nvSpPr>
+          <p:cNvPr id="4" name="TextBox 3">
             <a:extLst>
               <a:ext uri="{FF2B5EF4-FFF2-40B4-BE49-F238E27FC236}">
-                <a16:creationId xmlns:a16="http://schemas.microsoft.com/office/drawing/2014/main" id="{6B25EBAB-1E05-69BE-D138-48359EAFBB63}"/>
+                <a16:creationId xmlns:a16="http://schemas.microsoft.com/office/drawing/2014/main" id="{CA5C0181-54F5-D00C-2A08-8F4F5BF43374}"/>
               </a:ext>
             </a:extLst>
           </p:cNvPr>
-          <p:cNvGrpSpPr/>
+          <p:cNvSpPr txBox="1"/>
           <p:nvPr/>
-        </p:nvGrpSpPr>
-        <p:grpSpPr>
+        </p:nvSpPr>
+        <p:spPr>
           <a:xfrm>
-            <a:off x="5987986" y="4707665"/>
-            <a:ext cx="2303619" cy="769441"/>
-            <a:chOff x="7133210" y="4898447"/>
-            <a:chExt cx="2303619" cy="769441"/>
+            <a:off x="4382813" y="4541189"/>
+            <a:ext cx="6674069" cy="584775"/>
           </a:xfrm>
-        </p:grpSpPr>
-        <p:sp>
-          <p:nvSpPr>
-            <p:cNvPr id="4" name="TextBox 3">
-              <a:extLst>
-                <a:ext uri="{FF2B5EF4-FFF2-40B4-BE49-F238E27FC236}">
-                  <a16:creationId xmlns:a16="http://schemas.microsoft.com/office/drawing/2014/main" id="{CA5C0181-54F5-D00C-2A08-8F4F5BF43374}"/>
-                </a:ext>
-              </a:extLst>
-            </p:cNvPr>
-            <p:cNvSpPr txBox="1"/>
-            <p:nvPr/>
-          </p:nvSpPr>
-          <p:spPr>
-            <a:xfrm>
-              <a:off x="7858897" y="4898447"/>
-              <a:ext cx="1577932" cy="769441"/>
-            </a:xfrm>
-            <a:prstGeom prst="rect">
-              <a:avLst/>
-            </a:prstGeom>
-            <a:noFill/>
-          </p:spPr>
-          <p:txBody>
-            <a:bodyPr wrap="square" rtlCol="0">
-              <a:spAutoFit/>
-            </a:bodyPr>
-            <a:lstStyle/>
-            <a:p>
-              <a:pPr algn="ctr"/>
-              <a:r>
-                <a:rPr lang="en-US" sz="4400" b="1" dirty="0" err="1">
-                  <a:latin typeface="Comic Sans MS" panose="030F0902030302020204" pitchFamily="66" charset="0"/>
-                  <a:cs typeface="Consolas" panose="020B0609020204030204" pitchFamily="49" charset="0"/>
-                </a:rPr>
-                <a:t>redis</a:t>
-              </a:r>
-              <a:endParaRPr lang="en-US" sz="3600" b="1" dirty="0">
+          <a:prstGeom prst="rect">
+            <a:avLst/>
+          </a:prstGeom>
+          <a:noFill/>
+        </p:spPr>
+        <p:txBody>
+          <a:bodyPr wrap="square" rtlCol="0">
+            <a:spAutoFit/>
+          </a:bodyPr>
+          <a:lstStyle/>
+          <a:p>
+            <a:r>
+              <a:rPr lang="en-US" sz="3200" b="1" i="1" dirty="0">
+                <a:solidFill>
+                  <a:srgbClr val="FFC000"/>
+                </a:solidFill>
                 <a:latin typeface="Comic Sans MS" panose="030F0902030302020204" pitchFamily="66" charset="0"/>
                 <a:cs typeface="Consolas" panose="020B0609020204030204" pitchFamily="49" charset="0"/>
-              </a:endParaRPr>
-            </a:p>
-          </p:txBody>
-        </p:sp>
-        <p:pic>
-          <p:nvPicPr>
-            <p:cNvPr id="1026" name="Picture 2" descr="@redis">
-              <a:extLst>
-                <a:ext uri="{FF2B5EF4-FFF2-40B4-BE49-F238E27FC236}">
-                  <a16:creationId xmlns:a16="http://schemas.microsoft.com/office/drawing/2014/main" id="{2ABBE8D0-66D1-4CED-1B11-66B419666B44}"/>
-                </a:ext>
-              </a:extLst>
-            </p:cNvPr>
-            <p:cNvPicPr>
-              <a:picLocks noChangeAspect="1" noChangeArrowheads="1"/>
-            </p:cNvPicPr>
-            <p:nvPr/>
-          </p:nvPicPr>
-          <p:blipFill>
-            <a:blip r:embed="rId3">
-              <a:extLst>
-                <a:ext uri="{28A0092B-C50C-407E-A947-70E740481C1C}">
-                  <a14:useLocalDpi xmlns:a14="http://schemas.microsoft.com/office/drawing/2010/main" val="0"/>
-                </a:ext>
-              </a:extLst>
-            </a:blip>
-            <a:srcRect/>
-            <a:stretch>
-              <a:fillRect/>
-            </a:stretch>
-          </p:blipFill>
-          <p:spPr bwMode="auto">
-            <a:xfrm>
-              <a:off x="7133210" y="4942201"/>
-              <a:ext cx="725687" cy="725687"/>
-            </a:xfrm>
-            <a:prstGeom prst="rect">
-              <a:avLst/>
-            </a:prstGeom>
-            <a:noFill/>
-            <a:extLst>
-              <a:ext uri="{909E8E84-426E-40DD-AFC4-6F175D3DCCD1}">
-                <a14:hiddenFill xmlns:a14="http://schemas.microsoft.com/office/drawing/2010/main">
-                  <a:solidFill>
-                    <a:srgbClr val="FFFFFF"/>
-                  </a:solidFill>
-                </a14:hiddenFill>
-              </a:ext>
-            </a:extLst>
-          </p:spPr>
-        </p:pic>
-      </p:grpSp>
+              </a:rPr>
+              <a:t>Part 1: </a:t>
+            </a:r>
+            <a:r>
+              <a:rPr lang="en-US" sz="3200" b="1" dirty="0">
+                <a:latin typeface="Comic Sans MS" panose="030F0902030302020204" pitchFamily="66" charset="0"/>
+                <a:cs typeface="Consolas" panose="020B0609020204030204" pitchFamily="49" charset="0"/>
+              </a:rPr>
+              <a:t>in-memory cache: </a:t>
+            </a:r>
+            <a:r>
+              <a:rPr lang="en-US" sz="3200" b="1" dirty="0" err="1">
+                <a:solidFill>
+                  <a:srgbClr val="FF0000"/>
+                </a:solidFill>
+                <a:latin typeface="Comic Sans MS" panose="030F0902030302020204" pitchFamily="66" charset="0"/>
+                <a:cs typeface="Consolas" panose="020B0609020204030204" pitchFamily="49" charset="0"/>
+              </a:rPr>
+              <a:t>redis</a:t>
+            </a:r>
+            <a:endParaRPr lang="en-US" sz="2400" b="1" dirty="0">
+              <a:solidFill>
+                <a:srgbClr val="FF0000"/>
+              </a:solidFill>
+              <a:latin typeface="Comic Sans MS" panose="030F0902030302020204" pitchFamily="66" charset="0"/>
+              <a:cs typeface="Consolas" panose="020B0609020204030204" pitchFamily="49" charset="0"/>
+            </a:endParaRPr>
+          </a:p>
+        </p:txBody>
+      </p:sp>
     </p:spTree>
     <p:extLst>
       <p:ext uri="{BB962C8B-B14F-4D97-AF65-F5344CB8AC3E}">
